--- a/TransferLearning.pptx
+++ b/TransferLearning.pptx
@@ -5,10 +5,10 @@
     <p:sldMasterId id="2147484477" r:id="rId4"/>
   </p:sldMasterIdLst>
   <p:notesMasterIdLst>
-    <p:notesMasterId r:id="rId19"/>
+    <p:notesMasterId r:id="rId18"/>
   </p:notesMasterIdLst>
   <p:handoutMasterIdLst>
-    <p:handoutMasterId r:id="rId20"/>
+    <p:handoutMasterId r:id="rId19"/>
   </p:handoutMasterIdLst>
   <p:sldIdLst>
     <p:sldId id="495" r:id="rId5"/>
@@ -21,10 +21,9 @@
     <p:sldId id="506" r:id="rId12"/>
     <p:sldId id="508" r:id="rId13"/>
     <p:sldId id="509" r:id="rId14"/>
-    <p:sldId id="498" r:id="rId15"/>
-    <p:sldId id="499" r:id="rId16"/>
-    <p:sldId id="496" r:id="rId17"/>
-    <p:sldId id="504" r:id="rId18"/>
+    <p:sldId id="499" r:id="rId15"/>
+    <p:sldId id="496" r:id="rId16"/>
+    <p:sldId id="504" r:id="rId17"/>
   </p:sldIdLst>
   <p:sldSz cx="12192000" cy="6858000"/>
   <p:notesSz cx="6858000" cy="9144000"/>
@@ -138,7 +137,6 @@
             <p14:sldId id="506"/>
             <p14:sldId id="508"/>
             <p14:sldId id="509"/>
-            <p14:sldId id="498"/>
             <p14:sldId id="499"/>
             <p14:sldId id="496"/>
             <p14:sldId id="504"/>
@@ -249,7 +247,7 @@
           <a:p>
             <a:fld id="{41F5DDD7-29E8-4F85-A117-E0D0E07135BD}" type="datetimeFigureOut">
               <a:rPr lang="en-US" smtClean="0"/>
-              <a:t>9/11/2019</a:t>
+              <a:t>9/12/2019</a:t>
             </a:fld>
             <a:endParaRPr lang="en-US" dirty="0"/>
           </a:p>
@@ -415,7 +413,7 @@
           <a:p>
             <a:fld id="{2434B426-DD78-45C6-AC2B-6AECC245F0A6}" type="datetimeFigureOut">
               <a:rPr lang="en-US" smtClean="0"/>
-              <a:t>9/11/2019</a:t>
+              <a:t>9/12/2019</a:t>
             </a:fld>
             <a:endParaRPr lang="en-US" dirty="0"/>
           </a:p>
@@ -6121,15 +6119,7 @@
             </a:pPr>
             <a:r>
               <a:rPr lang="it-IT" dirty="0"/>
-              <a:t>Good performance </a:t>
-            </a:r>
-            <a:r>
-              <a:rPr lang="it-IT" dirty="0" err="1"/>
-              <a:t>obtained</a:t>
-            </a:r>
-            <a:r>
-              <a:rPr lang="it-IT" dirty="0"/>
-              <a:t> on the </a:t>
+              <a:t>Good performance on the </a:t>
             </a:r>
             <a:r>
               <a:rPr lang="it-IT" dirty="0" err="1"/>
@@ -6169,7 +6159,7 @@
             </a:r>
             <a:r>
               <a:rPr lang="it-IT" dirty="0"/>
-              <a:t> in the </a:t>
+              <a:t> in the session </a:t>
             </a:r>
             <a:r>
               <a:rPr lang="it-IT" dirty="0" err="1"/>
@@ -6290,51 +6280,10 @@
           <a:chExt cx="0" cy="0"/>
         </a:xfrm>
       </p:grpSpPr>
-      <p:sp>
-        <p:nvSpPr>
-          <p:cNvPr id="4" name="Title 3">
-            <a:extLst>
-              <a:ext uri="{FF2B5EF4-FFF2-40B4-BE49-F238E27FC236}">
-                <a16:creationId xmlns:a16="http://schemas.microsoft.com/office/drawing/2014/main" id="{4CC0E868-1684-43B8-AF27-B177A11CD357}"/>
-              </a:ext>
-            </a:extLst>
-          </p:cNvPr>
-          <p:cNvSpPr>
-            <a:spLocks noGrp="1"/>
-          </p:cNvSpPr>
-          <p:nvPr>
-            <p:ph type="title"/>
-          </p:nvPr>
-        </p:nvSpPr>
-        <p:spPr>
-          <a:xfrm>
-            <a:off x="457200" y="2886891"/>
-            <a:ext cx="11277599" cy="712379"/>
-          </a:xfrm>
-        </p:spPr>
-        <p:txBody>
-          <a:bodyPr/>
-          <a:lstStyle/>
-          <a:p>
-            <a:r>
-              <a:rPr lang="en-US" dirty="0"/>
-              <a:t>DEMO – </a:t>
-            </a:r>
-            <a:r>
-              <a:rPr lang="en-US" dirty="0" err="1"/>
-              <a:t>MaixPy</a:t>
-            </a:r>
-            <a:r>
-              <a:rPr lang="en-US" dirty="0"/>
-              <a:t> Bit AI Board </a:t>
-            </a:r>
-          </a:p>
-        </p:txBody>
-      </p:sp>
     </p:spTree>
     <p:extLst>
       <p:ext uri="{BB962C8B-B14F-4D97-AF65-F5344CB8AC3E}">
-        <p14:creationId xmlns:p14="http://schemas.microsoft.com/office/powerpoint/2010/main" val="2022977213"/>
+        <p14:creationId xmlns:p14="http://schemas.microsoft.com/office/powerpoint/2010/main" val="64215540"/>
       </p:ext>
     </p:extLst>
   </p:cSld>
@@ -6364,7 +6313,7 @@
     </p:spTree>
     <p:extLst>
       <p:ext uri="{BB962C8B-B14F-4D97-AF65-F5344CB8AC3E}">
-        <p14:creationId xmlns:p14="http://schemas.microsoft.com/office/powerpoint/2010/main" val="64215540"/>
+        <p14:creationId xmlns:p14="http://schemas.microsoft.com/office/powerpoint/2010/main" val="972071563"/>
       </p:ext>
     </p:extLst>
   </p:cSld>
@@ -6375,36 +6324,6 @@
 </file>
 
 <file path=ppt/slides/slide13.xml><?xml version="1.0" encoding="utf-8"?>
-<p:sld xmlns:a="http://schemas.openxmlformats.org/drawingml/2006/main" xmlns:r="http://schemas.openxmlformats.org/officeDocument/2006/relationships" xmlns:p="http://schemas.openxmlformats.org/presentationml/2006/main">
-  <p:cSld>
-    <p:spTree>
-      <p:nvGrpSpPr>
-        <p:cNvPr id="1" name=""/>
-        <p:cNvGrpSpPr/>
-        <p:nvPr/>
-      </p:nvGrpSpPr>
-      <p:grpSpPr>
-        <a:xfrm>
-          <a:off x="0" y="0"/>
-          <a:ext cx="0" cy="0"/>
-          <a:chOff x="0" y="0"/>
-          <a:chExt cx="0" cy="0"/>
-        </a:xfrm>
-      </p:grpSpPr>
-    </p:spTree>
-    <p:extLst>
-      <p:ext uri="{BB962C8B-B14F-4D97-AF65-F5344CB8AC3E}">
-        <p14:creationId xmlns:p14="http://schemas.microsoft.com/office/powerpoint/2010/main" val="972071563"/>
-      </p:ext>
-    </p:extLst>
-  </p:cSld>
-  <p:clrMapOvr>
-    <a:masterClrMapping/>
-  </p:clrMapOvr>
-</p:sld>
-</file>
-
-<file path=ppt/slides/slide14.xml><?xml version="1.0" encoding="utf-8"?>
 <p:sld xmlns:a="http://schemas.openxmlformats.org/drawingml/2006/main" xmlns:r="http://schemas.openxmlformats.org/officeDocument/2006/relationships" xmlns:p="http://schemas.openxmlformats.org/presentationml/2006/main">
   <p:cSld>
     <p:spTree>
@@ -8387,7 +8306,15 @@
             </a:r>
             <a:r>
               <a:rPr lang="it-IT" dirty="0"/>
-              <a:t> use a RELU </a:t>
+              <a:t> use a </a:t>
+            </a:r>
+            <a:r>
+              <a:rPr lang="it-IT" dirty="0" err="1"/>
+              <a:t>ReLU</a:t>
+            </a:r>
+            <a:r>
+              <a:rPr lang="it-IT" dirty="0"/>
+              <a:t> </a:t>
             </a:r>
             <a:r>
               <a:rPr lang="it-IT" dirty="0" err="1"/>
@@ -9335,6 +9262,12 @@
 </file>
 
 <file path=customXml/item2.xml><?xml version="1.0" encoding="utf-8"?>
+<p:properties xmlns:p="http://schemas.microsoft.com/office/2006/metadata/properties" xmlns:xsi="http://www.w3.org/2001/XMLSchema-instance" xmlns:pc="http://schemas.microsoft.com/office/infopath/2007/PartnerControls">
+  <documentManagement/>
+</p:properties>
+</file>
+
+<file path=customXml/item3.xml><?xml version="1.0" encoding="utf-8"?>
 <ct:contentTypeSchema xmlns:ct="http://schemas.microsoft.com/office/2006/metadata/contentType" xmlns:ma="http://schemas.microsoft.com/office/2006/metadata/properties/metaAttributes" ct:_="" ma:_="" ma:contentTypeName="Document" ma:contentTypeID="0x010100570D7CADCFE5E348ACFAE3832C303840" ma:contentTypeVersion="2" ma:contentTypeDescription="Create a new document." ma:contentTypeScope="" ma:versionID="633b0979296f1ed1c69f243239c6b35f">
   <xsd:schema xmlns:xsd="http://www.w3.org/2001/XMLSchema" xmlns:xs="http://www.w3.org/2001/XMLSchema" xmlns:p="http://schemas.microsoft.com/office/2006/metadata/properties" xmlns:ns2="00e0c6ab-2e1e-446e-8cd4-dc4d1cc239d2" targetNamespace="http://schemas.microsoft.com/office/2006/metadata/properties" ma:root="true" ma:fieldsID="2fb82ef2dbc616c6e96786f58783f5ba" ns2:_="">
     <xsd:import namespace="00e0c6ab-2e1e-446e-8cd4-dc4d1cc239d2"/>
@@ -9466,12 +9399,6 @@
 </ct:contentTypeSchema>
 </file>
 
-<file path=customXml/item3.xml><?xml version="1.0" encoding="utf-8"?>
-<p:properties xmlns:p="http://schemas.microsoft.com/office/2006/metadata/properties" xmlns:xsi="http://www.w3.org/2001/XMLSchema-instance" xmlns:pc="http://schemas.microsoft.com/office/infopath/2007/PartnerControls">
-  <documentManagement/>
-</p:properties>
-</file>
-
 <file path=customXml/itemProps1.xml><?xml version="1.0" encoding="utf-8"?>
 <ds:datastoreItem xmlns:ds="http://schemas.openxmlformats.org/officeDocument/2006/customXml" ds:itemID="{285C8949-12A8-4D3A-8B80-D82110DA804F}">
   <ds:schemaRefs>
@@ -9481,6 +9408,15 @@
 </file>
 
 <file path=customXml/itemProps2.xml><?xml version="1.0" encoding="utf-8"?>
+<ds:datastoreItem xmlns:ds="http://schemas.openxmlformats.org/officeDocument/2006/customXml" ds:itemID="{1B70D356-E601-4D10-90F6-536FDCA3FCED}">
+  <ds:schemaRefs>
+    <ds:schemaRef ds:uri="http://schemas.microsoft.com/office/2006/metadata/properties"/>
+    <ds:schemaRef ds:uri="http://schemas.microsoft.com/office/infopath/2007/PartnerControls"/>
+  </ds:schemaRefs>
+</ds:datastoreItem>
+</file>
+
+<file path=customXml/itemProps3.xml><?xml version="1.0" encoding="utf-8"?>
 <ds:datastoreItem xmlns:ds="http://schemas.openxmlformats.org/officeDocument/2006/customXml" ds:itemID="{7217DFBD-4751-428F-B38C-3EB5F02CAA3A}">
   <ds:schemaRefs>
     <ds:schemaRef ds:uri="http://schemas.microsoft.com/office/2006/metadata/contentType"/>
@@ -9496,13 +9432,4 @@
     <ds:schemaRef ds:uri="http://schemas.microsoft.com/internal/obd"/>
   </ds:schemaRefs>
 </ds:datastoreItem>
-</file>
-
-<file path=customXml/itemProps3.xml><?xml version="1.0" encoding="utf-8"?>
-<ds:datastoreItem xmlns:ds="http://schemas.openxmlformats.org/officeDocument/2006/customXml" ds:itemID="{1B70D356-E601-4D10-90F6-536FDCA3FCED}">
-  <ds:schemaRefs>
-    <ds:schemaRef ds:uri="http://schemas.microsoft.com/office/2006/metadata/properties"/>
-    <ds:schemaRef ds:uri="http://schemas.microsoft.com/office/infopath/2007/PartnerControls"/>
-  </ds:schemaRefs>
-</ds:datastoreItem>
 </file>
--- a/TransferLearning.pptx
+++ b/TransferLearning.pptx
@@ -5,10 +5,10 @@
     <p:sldMasterId id="2147484477" r:id="rId4"/>
   </p:sldMasterIdLst>
   <p:notesMasterIdLst>
-    <p:notesMasterId r:id="rId18"/>
+    <p:notesMasterId r:id="rId19"/>
   </p:notesMasterIdLst>
   <p:handoutMasterIdLst>
-    <p:handoutMasterId r:id="rId19"/>
+    <p:handoutMasterId r:id="rId20"/>
   </p:handoutMasterIdLst>
   <p:sldIdLst>
     <p:sldId id="495" r:id="rId5"/>
@@ -21,9 +21,10 @@
     <p:sldId id="506" r:id="rId12"/>
     <p:sldId id="508" r:id="rId13"/>
     <p:sldId id="509" r:id="rId14"/>
-    <p:sldId id="499" r:id="rId15"/>
-    <p:sldId id="496" r:id="rId16"/>
-    <p:sldId id="504" r:id="rId17"/>
+    <p:sldId id="510" r:id="rId15"/>
+    <p:sldId id="499" r:id="rId16"/>
+    <p:sldId id="496" r:id="rId17"/>
+    <p:sldId id="504" r:id="rId18"/>
   </p:sldIdLst>
   <p:sldSz cx="12192000" cy="6858000"/>
   <p:notesSz cx="6858000" cy="9144000"/>
@@ -137,6 +138,7 @@
             <p14:sldId id="506"/>
             <p14:sldId id="508"/>
             <p14:sldId id="509"/>
+            <p14:sldId id="510"/>
             <p14:sldId id="499"/>
             <p14:sldId id="496"/>
             <p14:sldId id="504"/>
@@ -247,7 +249,7 @@
           <a:p>
             <a:fld id="{41F5DDD7-29E8-4F85-A117-E0D0E07135BD}" type="datetimeFigureOut">
               <a:rPr lang="en-US" smtClean="0"/>
-              <a:t>9/12/2019</a:t>
+              <a:t>9/13/2019</a:t>
             </a:fld>
             <a:endParaRPr lang="en-US" dirty="0"/>
           </a:p>
@@ -413,7 +415,7 @@
           <a:p>
             <a:fld id="{2434B426-DD78-45C6-AC2B-6AECC245F0A6}" type="datetimeFigureOut">
               <a:rPr lang="en-US" smtClean="0"/>
-              <a:t>9/12/2019</a:t>
+              <a:t>9/13/2019</a:t>
             </a:fld>
             <a:endParaRPr lang="en-US" dirty="0"/>
           </a:p>
@@ -6280,10 +6282,58 @@
           <a:chExt cx="0" cy="0"/>
         </a:xfrm>
       </p:grpSpPr>
+      <p:pic>
+        <p:nvPicPr>
+          <p:cNvPr id="9" name="Segnaposto contenuto 8" descr="Immagine che contiene persona, elettronico, interni, parete&#10;&#10;Descrizione generata automaticamente">
+            <a:extLst>
+              <a:ext uri="{FF2B5EF4-FFF2-40B4-BE49-F238E27FC236}">
+                <a16:creationId xmlns:a16="http://schemas.microsoft.com/office/drawing/2014/main" id="{CEB6021F-0D20-4F42-A0EC-66D21D2C0DE7}"/>
+              </a:ext>
+            </a:extLst>
+          </p:cNvPr>
+          <p:cNvPicPr>
+            <a:picLocks noGrp="1" noChangeAspect="1"/>
+          </p:cNvPicPr>
+          <p:nvPr>
+            <p:ph sz="quarter" idx="10"/>
+          </p:nvPr>
+        </p:nvPicPr>
+        <p:blipFill>
+          <a:blip r:embed="rId2">
+            <a:extLst>
+              <a:ext uri="{28A0092B-C50C-407E-A947-70E740481C1C}">
+                <a14:useLocalDpi xmlns:a14="http://schemas.microsoft.com/office/drawing/2010/main" val="0"/>
+              </a:ext>
+            </a:extLst>
+          </a:blip>
+          <a:stretch>
+            <a:fillRect/>
+          </a:stretch>
+        </p:blipFill>
+        <p:spPr bwMode="auto">
+          <a:xfrm>
+            <a:off x="1920688" y="210951"/>
+            <a:ext cx="8012206" cy="6009155"/>
+          </a:xfrm>
+          <a:prstGeom prst="rect">
+            <a:avLst/>
+          </a:prstGeom>
+          <a:noFill/>
+          <a:extLst>
+            <a:ext uri="{909E8E84-426E-40DD-AFC4-6F175D3DCCD1}">
+              <a14:hiddenFill xmlns:a14="http://schemas.microsoft.com/office/drawing/2010/main">
+                <a:solidFill>
+                  <a:srgbClr val="FFFFFF"/>
+                </a:solidFill>
+              </a14:hiddenFill>
+            </a:ext>
+          </a:extLst>
+        </p:spPr>
+      </p:pic>
     </p:spTree>
     <p:extLst>
       <p:ext uri="{BB962C8B-B14F-4D97-AF65-F5344CB8AC3E}">
-        <p14:creationId xmlns:p14="http://schemas.microsoft.com/office/powerpoint/2010/main" val="64215540"/>
+        <p14:creationId xmlns:p14="http://schemas.microsoft.com/office/powerpoint/2010/main" val="2226827442"/>
       </p:ext>
     </p:extLst>
   </p:cSld>
@@ -6313,6 +6363,36 @@
     </p:spTree>
     <p:extLst>
       <p:ext uri="{BB962C8B-B14F-4D97-AF65-F5344CB8AC3E}">
+        <p14:creationId xmlns:p14="http://schemas.microsoft.com/office/powerpoint/2010/main" val="64215540"/>
+      </p:ext>
+    </p:extLst>
+  </p:cSld>
+  <p:clrMapOvr>
+    <a:masterClrMapping/>
+  </p:clrMapOvr>
+</p:sld>
+</file>
+
+<file path=ppt/slides/slide13.xml><?xml version="1.0" encoding="utf-8"?>
+<p:sld xmlns:a="http://schemas.openxmlformats.org/drawingml/2006/main" xmlns:r="http://schemas.openxmlformats.org/officeDocument/2006/relationships" xmlns:p="http://schemas.openxmlformats.org/presentationml/2006/main">
+  <p:cSld>
+    <p:spTree>
+      <p:nvGrpSpPr>
+        <p:cNvPr id="1" name=""/>
+        <p:cNvGrpSpPr/>
+        <p:nvPr/>
+      </p:nvGrpSpPr>
+      <p:grpSpPr>
+        <a:xfrm>
+          <a:off x="0" y="0"/>
+          <a:ext cx="0" cy="0"/>
+          <a:chOff x="0" y="0"/>
+          <a:chExt cx="0" cy="0"/>
+        </a:xfrm>
+      </p:grpSpPr>
+    </p:spTree>
+    <p:extLst>
+      <p:ext uri="{BB962C8B-B14F-4D97-AF65-F5344CB8AC3E}">
         <p14:creationId xmlns:p14="http://schemas.microsoft.com/office/powerpoint/2010/main" val="972071563"/>
       </p:ext>
     </p:extLst>
@@ -6323,7 +6403,7 @@
 </p:sld>
 </file>
 
-<file path=ppt/slides/slide13.xml><?xml version="1.0" encoding="utf-8"?>
+<file path=ppt/slides/slide14.xml><?xml version="1.0" encoding="utf-8"?>
 <p:sld xmlns:a="http://schemas.openxmlformats.org/drawingml/2006/main" xmlns:r="http://schemas.openxmlformats.org/officeDocument/2006/relationships" xmlns:p="http://schemas.openxmlformats.org/presentationml/2006/main">
   <p:cSld>
     <p:spTree>
@@ -9262,12 +9342,6 @@
 </file>
 
 <file path=customXml/item2.xml><?xml version="1.0" encoding="utf-8"?>
-<p:properties xmlns:p="http://schemas.microsoft.com/office/2006/metadata/properties" xmlns:xsi="http://www.w3.org/2001/XMLSchema-instance" xmlns:pc="http://schemas.microsoft.com/office/infopath/2007/PartnerControls">
-  <documentManagement/>
-</p:properties>
-</file>
-
-<file path=customXml/item3.xml><?xml version="1.0" encoding="utf-8"?>
 <ct:contentTypeSchema xmlns:ct="http://schemas.microsoft.com/office/2006/metadata/contentType" xmlns:ma="http://schemas.microsoft.com/office/2006/metadata/properties/metaAttributes" ct:_="" ma:_="" ma:contentTypeName="Document" ma:contentTypeID="0x010100570D7CADCFE5E348ACFAE3832C303840" ma:contentTypeVersion="2" ma:contentTypeDescription="Create a new document." ma:contentTypeScope="" ma:versionID="633b0979296f1ed1c69f243239c6b35f">
   <xsd:schema xmlns:xsd="http://www.w3.org/2001/XMLSchema" xmlns:xs="http://www.w3.org/2001/XMLSchema" xmlns:p="http://schemas.microsoft.com/office/2006/metadata/properties" xmlns:ns2="00e0c6ab-2e1e-446e-8cd4-dc4d1cc239d2" targetNamespace="http://schemas.microsoft.com/office/2006/metadata/properties" ma:root="true" ma:fieldsID="2fb82ef2dbc616c6e96786f58783f5ba" ns2:_="">
     <xsd:import namespace="00e0c6ab-2e1e-446e-8cd4-dc4d1cc239d2"/>
@@ -9399,6 +9473,12 @@
 </ct:contentTypeSchema>
 </file>
 
+<file path=customXml/item3.xml><?xml version="1.0" encoding="utf-8"?>
+<p:properties xmlns:p="http://schemas.microsoft.com/office/2006/metadata/properties" xmlns:xsi="http://www.w3.org/2001/XMLSchema-instance" xmlns:pc="http://schemas.microsoft.com/office/infopath/2007/PartnerControls">
+  <documentManagement/>
+</p:properties>
+</file>
+
 <file path=customXml/itemProps1.xml><?xml version="1.0" encoding="utf-8"?>
 <ds:datastoreItem xmlns:ds="http://schemas.openxmlformats.org/officeDocument/2006/customXml" ds:itemID="{285C8949-12A8-4D3A-8B80-D82110DA804F}">
   <ds:schemaRefs>
@@ -9408,15 +9488,6 @@
 </file>
 
 <file path=customXml/itemProps2.xml><?xml version="1.0" encoding="utf-8"?>
-<ds:datastoreItem xmlns:ds="http://schemas.openxmlformats.org/officeDocument/2006/customXml" ds:itemID="{1B70D356-E601-4D10-90F6-536FDCA3FCED}">
-  <ds:schemaRefs>
-    <ds:schemaRef ds:uri="http://schemas.microsoft.com/office/2006/metadata/properties"/>
-    <ds:schemaRef ds:uri="http://schemas.microsoft.com/office/infopath/2007/PartnerControls"/>
-  </ds:schemaRefs>
-</ds:datastoreItem>
-</file>
-
-<file path=customXml/itemProps3.xml><?xml version="1.0" encoding="utf-8"?>
 <ds:datastoreItem xmlns:ds="http://schemas.openxmlformats.org/officeDocument/2006/customXml" ds:itemID="{7217DFBD-4751-428F-B38C-3EB5F02CAA3A}">
   <ds:schemaRefs>
     <ds:schemaRef ds:uri="http://schemas.microsoft.com/office/2006/metadata/contentType"/>
@@ -9432,4 +9503,13 @@
     <ds:schemaRef ds:uri="http://schemas.microsoft.com/internal/obd"/>
   </ds:schemaRefs>
 </ds:datastoreItem>
+</file>
+
+<file path=customXml/itemProps3.xml><?xml version="1.0" encoding="utf-8"?>
+<ds:datastoreItem xmlns:ds="http://schemas.openxmlformats.org/officeDocument/2006/customXml" ds:itemID="{1B70D356-E601-4D10-90F6-536FDCA3FCED}">
+  <ds:schemaRefs>
+    <ds:schemaRef ds:uri="http://schemas.microsoft.com/office/2006/metadata/properties"/>
+    <ds:schemaRef ds:uri="http://schemas.microsoft.com/office/infopath/2007/PartnerControls"/>
+  </ds:schemaRefs>
+</ds:datastoreItem>
 </file>
--- a/TransferLearning.pptx
+++ b/TransferLearning.pptx
@@ -6737,7 +6737,12 @@
             <p:ph type="title"/>
           </p:nvPr>
         </p:nvSpPr>
-        <p:spPr/>
+        <p:spPr>
+          <a:xfrm>
+            <a:off x="457200" y="452718"/>
+            <a:ext cx="11277599" cy="712379"/>
+          </a:xfrm>
+        </p:spPr>
         <p:txBody>
           <a:bodyPr/>
           <a:lstStyle/>
@@ -9342,6 +9347,12 @@
 </file>
 
 <file path=customXml/item2.xml><?xml version="1.0" encoding="utf-8"?>
+<p:properties xmlns:p="http://schemas.microsoft.com/office/2006/metadata/properties" xmlns:xsi="http://www.w3.org/2001/XMLSchema-instance" xmlns:pc="http://schemas.microsoft.com/office/infopath/2007/PartnerControls">
+  <documentManagement/>
+</p:properties>
+</file>
+
+<file path=customXml/item3.xml><?xml version="1.0" encoding="utf-8"?>
 <ct:contentTypeSchema xmlns:ct="http://schemas.microsoft.com/office/2006/metadata/contentType" xmlns:ma="http://schemas.microsoft.com/office/2006/metadata/properties/metaAttributes" ct:_="" ma:_="" ma:contentTypeName="Document" ma:contentTypeID="0x010100570D7CADCFE5E348ACFAE3832C303840" ma:contentTypeVersion="2" ma:contentTypeDescription="Create a new document." ma:contentTypeScope="" ma:versionID="633b0979296f1ed1c69f243239c6b35f">
   <xsd:schema xmlns:xsd="http://www.w3.org/2001/XMLSchema" xmlns:xs="http://www.w3.org/2001/XMLSchema" xmlns:p="http://schemas.microsoft.com/office/2006/metadata/properties" xmlns:ns2="00e0c6ab-2e1e-446e-8cd4-dc4d1cc239d2" targetNamespace="http://schemas.microsoft.com/office/2006/metadata/properties" ma:root="true" ma:fieldsID="2fb82ef2dbc616c6e96786f58783f5ba" ns2:_="">
     <xsd:import namespace="00e0c6ab-2e1e-446e-8cd4-dc4d1cc239d2"/>
@@ -9473,12 +9484,6 @@
 </ct:contentTypeSchema>
 </file>
 
-<file path=customXml/item3.xml><?xml version="1.0" encoding="utf-8"?>
-<p:properties xmlns:p="http://schemas.microsoft.com/office/2006/metadata/properties" xmlns:xsi="http://www.w3.org/2001/XMLSchema-instance" xmlns:pc="http://schemas.microsoft.com/office/infopath/2007/PartnerControls">
-  <documentManagement/>
-</p:properties>
-</file>
-
 <file path=customXml/itemProps1.xml><?xml version="1.0" encoding="utf-8"?>
 <ds:datastoreItem xmlns:ds="http://schemas.openxmlformats.org/officeDocument/2006/customXml" ds:itemID="{285C8949-12A8-4D3A-8B80-D82110DA804F}">
   <ds:schemaRefs>
@@ -9488,6 +9493,15 @@
 </file>
 
 <file path=customXml/itemProps2.xml><?xml version="1.0" encoding="utf-8"?>
+<ds:datastoreItem xmlns:ds="http://schemas.openxmlformats.org/officeDocument/2006/customXml" ds:itemID="{1B70D356-E601-4D10-90F6-536FDCA3FCED}">
+  <ds:schemaRefs>
+    <ds:schemaRef ds:uri="http://schemas.microsoft.com/office/2006/metadata/properties"/>
+    <ds:schemaRef ds:uri="http://schemas.microsoft.com/office/infopath/2007/PartnerControls"/>
+  </ds:schemaRefs>
+</ds:datastoreItem>
+</file>
+
+<file path=customXml/itemProps3.xml><?xml version="1.0" encoding="utf-8"?>
 <ds:datastoreItem xmlns:ds="http://schemas.openxmlformats.org/officeDocument/2006/customXml" ds:itemID="{7217DFBD-4751-428F-B38C-3EB5F02CAA3A}">
   <ds:schemaRefs>
     <ds:schemaRef ds:uri="http://schemas.microsoft.com/office/2006/metadata/contentType"/>
@@ -9503,13 +9517,4 @@
     <ds:schemaRef ds:uri="http://schemas.microsoft.com/internal/obd"/>
   </ds:schemaRefs>
 </ds:datastoreItem>
-</file>
-
-<file path=customXml/itemProps3.xml><?xml version="1.0" encoding="utf-8"?>
-<ds:datastoreItem xmlns:ds="http://schemas.openxmlformats.org/officeDocument/2006/customXml" ds:itemID="{1B70D356-E601-4D10-90F6-536FDCA3FCED}">
-  <ds:schemaRefs>
-    <ds:schemaRef ds:uri="http://schemas.microsoft.com/office/2006/metadata/properties"/>
-    <ds:schemaRef ds:uri="http://schemas.microsoft.com/office/infopath/2007/PartnerControls"/>
-  </ds:schemaRefs>
-</ds:datastoreItem>
 </file>